--- a/FlatBuffers.pptx
+++ b/FlatBuffers.pptx
@@ -8,6 +8,9 @@
     <p:sldId id="256" r:id="rId2"/>
     <p:sldId id="257" r:id="rId3"/>
     <p:sldId id="258" r:id="rId4"/>
+    <p:sldId id="259" r:id="rId5"/>
+    <p:sldId id="260" r:id="rId6"/>
+    <p:sldId id="261" r:id="rId7"/>
   </p:sldIdLst>
   <p:sldSz cx="12192000" cy="6858000"/>
   <p:notesSz cx="6858000" cy="9144000"/>
@@ -831,6 +834,7 @@
           <a:p>
             <a:fld id="{A01CB8F7-C920-432F-9BA7-60C26906864F}" type="datetimeFigureOut">
               <a:rPr lang="ru-RU" smtClean="0"/>
+              <a:pPr/>
               <a:t>09.10.2019</a:t>
             </a:fld>
             <a:endParaRPr lang="ru-RU"/>
@@ -873,6 +877,7 @@
           <a:p>
             <a:fld id="{5B3C017D-B223-4DF1-B40D-479C5670CB03}" type="slidenum">
               <a:rPr lang="ru-RU" smtClean="0"/>
+              <a:pPr/>
               <a:t>‹#›</a:t>
             </a:fld>
             <a:endParaRPr lang="ru-RU"/>
@@ -882,7 +887,7 @@
     </p:spTree>
     <p:extLst>
       <p:ext uri="{BB962C8B-B14F-4D97-AF65-F5344CB8AC3E}">
-        <p14:creationId xmlns:p14="http://schemas.microsoft.com/office/powerpoint/2010/main" val="3706968697"/>
+        <p14:creationId xmlns:p14="http://schemas.microsoft.com/office/powerpoint/2010/main" xmlns="" val="3706968697"/>
       </p:ext>
     </p:extLst>
   </p:cSld>
@@ -1082,6 +1087,7 @@
           <a:p>
             <a:fld id="{A01CB8F7-C920-432F-9BA7-60C26906864F}" type="datetimeFigureOut">
               <a:rPr lang="ru-RU" smtClean="0"/>
+              <a:pPr/>
               <a:t>09.10.2019</a:t>
             </a:fld>
             <a:endParaRPr lang="ru-RU"/>
@@ -1124,6 +1130,7 @@
           <a:p>
             <a:fld id="{5B3C017D-B223-4DF1-B40D-479C5670CB03}" type="slidenum">
               <a:rPr lang="ru-RU" smtClean="0"/>
+              <a:pPr/>
               <a:t>‹#›</a:t>
             </a:fld>
             <a:endParaRPr lang="ru-RU"/>
@@ -1133,7 +1140,7 @@
     </p:spTree>
     <p:extLst>
       <p:ext uri="{BB962C8B-B14F-4D97-AF65-F5344CB8AC3E}">
-        <p14:creationId xmlns:p14="http://schemas.microsoft.com/office/powerpoint/2010/main" val="1230715312"/>
+        <p14:creationId xmlns:p14="http://schemas.microsoft.com/office/powerpoint/2010/main" xmlns="" val="1230715312"/>
       </p:ext>
     </p:extLst>
   </p:cSld>
@@ -1396,6 +1403,7 @@
           <a:p>
             <a:fld id="{A01CB8F7-C920-432F-9BA7-60C26906864F}" type="datetimeFigureOut">
               <a:rPr lang="ru-RU" smtClean="0"/>
+              <a:pPr/>
               <a:t>09.10.2019</a:t>
             </a:fld>
             <a:endParaRPr lang="ru-RU"/>
@@ -1438,6 +1446,7 @@
           <a:p>
             <a:fld id="{5B3C017D-B223-4DF1-B40D-479C5670CB03}" type="slidenum">
               <a:rPr lang="ru-RU" smtClean="0"/>
+              <a:pPr/>
               <a:t>‹#›</a:t>
             </a:fld>
             <a:endParaRPr lang="ru-RU"/>
@@ -1537,7 +1546,7 @@
     </p:spTree>
     <p:extLst>
       <p:ext uri="{BB962C8B-B14F-4D97-AF65-F5344CB8AC3E}">
-        <p14:creationId xmlns:p14="http://schemas.microsoft.com/office/powerpoint/2010/main" val="3325094361"/>
+        <p14:creationId xmlns:p14="http://schemas.microsoft.com/office/powerpoint/2010/main" xmlns="" val="3325094361"/>
       </p:ext>
     </p:extLst>
   </p:cSld>
@@ -1737,6 +1746,7 @@
           <a:p>
             <a:fld id="{A01CB8F7-C920-432F-9BA7-60C26906864F}" type="datetimeFigureOut">
               <a:rPr lang="ru-RU" smtClean="0"/>
+              <a:pPr/>
               <a:t>09.10.2019</a:t>
             </a:fld>
             <a:endParaRPr lang="ru-RU"/>
@@ -1779,6 +1789,7 @@
           <a:p>
             <a:fld id="{5B3C017D-B223-4DF1-B40D-479C5670CB03}" type="slidenum">
               <a:rPr lang="ru-RU" smtClean="0"/>
+              <a:pPr/>
               <a:t>‹#›</a:t>
             </a:fld>
             <a:endParaRPr lang="ru-RU"/>
@@ -1788,7 +1799,7 @@
     </p:spTree>
     <p:extLst>
       <p:ext uri="{BB962C8B-B14F-4D97-AF65-F5344CB8AC3E}">
-        <p14:creationId xmlns:p14="http://schemas.microsoft.com/office/powerpoint/2010/main" val="2770274673"/>
+        <p14:creationId xmlns:p14="http://schemas.microsoft.com/office/powerpoint/2010/main" xmlns="" val="2770274673"/>
       </p:ext>
     </p:extLst>
   </p:cSld>
@@ -2051,6 +2062,7 @@
           <a:p>
             <a:fld id="{A01CB8F7-C920-432F-9BA7-60C26906864F}" type="datetimeFigureOut">
               <a:rPr lang="ru-RU" smtClean="0"/>
+              <a:pPr/>
               <a:t>09.10.2019</a:t>
             </a:fld>
             <a:endParaRPr lang="ru-RU"/>
@@ -2093,6 +2105,7 @@
           <a:p>
             <a:fld id="{5B3C017D-B223-4DF1-B40D-479C5670CB03}" type="slidenum">
               <a:rPr lang="ru-RU" smtClean="0"/>
+              <a:pPr/>
               <a:t>‹#›</a:t>
             </a:fld>
             <a:endParaRPr lang="ru-RU"/>
@@ -2184,7 +2197,7 @@
     </p:spTree>
     <p:extLst>
       <p:ext uri="{BB962C8B-B14F-4D97-AF65-F5344CB8AC3E}">
-        <p14:creationId xmlns:p14="http://schemas.microsoft.com/office/powerpoint/2010/main" val="1285909085"/>
+        <p14:creationId xmlns:p14="http://schemas.microsoft.com/office/powerpoint/2010/main" xmlns="" val="1285909085"/>
       </p:ext>
     </p:extLst>
   </p:cSld>
@@ -2444,6 +2457,7 @@
           <a:p>
             <a:fld id="{A01CB8F7-C920-432F-9BA7-60C26906864F}" type="datetimeFigureOut">
               <a:rPr lang="ru-RU" smtClean="0"/>
+              <a:pPr/>
               <a:t>09.10.2019</a:t>
             </a:fld>
             <a:endParaRPr lang="ru-RU"/>
@@ -2486,6 +2500,7 @@
           <a:p>
             <a:fld id="{5B3C017D-B223-4DF1-B40D-479C5670CB03}" type="slidenum">
               <a:rPr lang="ru-RU" smtClean="0"/>
+              <a:pPr/>
               <a:t>‹#›</a:t>
             </a:fld>
             <a:endParaRPr lang="ru-RU"/>
@@ -2495,7 +2510,7 @@
     </p:spTree>
     <p:extLst>
       <p:ext uri="{BB962C8B-B14F-4D97-AF65-F5344CB8AC3E}">
-        <p14:creationId xmlns:p14="http://schemas.microsoft.com/office/powerpoint/2010/main" val="1431678041"/>
+        <p14:creationId xmlns:p14="http://schemas.microsoft.com/office/powerpoint/2010/main" xmlns="" val="1431678041"/>
       </p:ext>
     </p:extLst>
   </p:cSld>
@@ -2614,6 +2629,7 @@
           <a:p>
             <a:fld id="{A01CB8F7-C920-432F-9BA7-60C26906864F}" type="datetimeFigureOut">
               <a:rPr lang="ru-RU" smtClean="0"/>
+              <a:pPr/>
               <a:t>09.10.2019</a:t>
             </a:fld>
             <a:endParaRPr lang="ru-RU"/>
@@ -2656,6 +2672,7 @@
           <a:p>
             <a:fld id="{5B3C017D-B223-4DF1-B40D-479C5670CB03}" type="slidenum">
               <a:rPr lang="ru-RU" smtClean="0"/>
+              <a:pPr/>
               <a:t>‹#›</a:t>
             </a:fld>
             <a:endParaRPr lang="ru-RU"/>
@@ -2665,7 +2682,7 @@
     </p:spTree>
     <p:extLst>
       <p:ext uri="{BB962C8B-B14F-4D97-AF65-F5344CB8AC3E}">
-        <p14:creationId xmlns:p14="http://schemas.microsoft.com/office/powerpoint/2010/main" val="3024041075"/>
+        <p14:creationId xmlns:p14="http://schemas.microsoft.com/office/powerpoint/2010/main" xmlns="" val="3024041075"/>
       </p:ext>
     </p:extLst>
   </p:cSld>
@@ -2794,6 +2811,7 @@
           <a:p>
             <a:fld id="{A01CB8F7-C920-432F-9BA7-60C26906864F}" type="datetimeFigureOut">
               <a:rPr lang="ru-RU" smtClean="0"/>
+              <a:pPr/>
               <a:t>09.10.2019</a:t>
             </a:fld>
             <a:endParaRPr lang="ru-RU"/>
@@ -2836,6 +2854,7 @@
           <a:p>
             <a:fld id="{5B3C017D-B223-4DF1-B40D-479C5670CB03}" type="slidenum">
               <a:rPr lang="ru-RU" smtClean="0"/>
+              <a:pPr/>
               <a:t>‹#›</a:t>
             </a:fld>
             <a:endParaRPr lang="ru-RU"/>
@@ -2845,7 +2864,7 @@
     </p:spTree>
     <p:extLst>
       <p:ext uri="{BB962C8B-B14F-4D97-AF65-F5344CB8AC3E}">
-        <p14:creationId xmlns:p14="http://schemas.microsoft.com/office/powerpoint/2010/main" val="1791918950"/>
+        <p14:creationId xmlns:p14="http://schemas.microsoft.com/office/powerpoint/2010/main" xmlns="" val="1791918950"/>
       </p:ext>
     </p:extLst>
   </p:cSld>
@@ -2970,6 +2989,7 @@
           <a:p>
             <a:fld id="{A01CB8F7-C920-432F-9BA7-60C26906864F}" type="datetimeFigureOut">
               <a:rPr lang="ru-RU" smtClean="0"/>
+              <a:pPr/>
               <a:t>09.10.2019</a:t>
             </a:fld>
             <a:endParaRPr lang="ru-RU"/>
@@ -3012,6 +3032,7 @@
           <a:p>
             <a:fld id="{5B3C017D-B223-4DF1-B40D-479C5670CB03}" type="slidenum">
               <a:rPr lang="ru-RU" smtClean="0"/>
+              <a:pPr/>
               <a:t>‹#›</a:t>
             </a:fld>
             <a:endParaRPr lang="ru-RU"/>
@@ -3021,7 +3042,7 @@
     </p:spTree>
     <p:extLst>
       <p:ext uri="{BB962C8B-B14F-4D97-AF65-F5344CB8AC3E}">
-        <p14:creationId xmlns:p14="http://schemas.microsoft.com/office/powerpoint/2010/main" val="677354099"/>
+        <p14:creationId xmlns:p14="http://schemas.microsoft.com/office/powerpoint/2010/main" xmlns="" val="677354099"/>
       </p:ext>
     </p:extLst>
   </p:cSld>
@@ -3217,6 +3238,7 @@
           <a:p>
             <a:fld id="{A01CB8F7-C920-432F-9BA7-60C26906864F}" type="datetimeFigureOut">
               <a:rPr lang="ru-RU" smtClean="0"/>
+              <a:pPr/>
               <a:t>09.10.2019</a:t>
             </a:fld>
             <a:endParaRPr lang="ru-RU"/>
@@ -3259,6 +3281,7 @@
           <a:p>
             <a:fld id="{5B3C017D-B223-4DF1-B40D-479C5670CB03}" type="slidenum">
               <a:rPr lang="ru-RU" smtClean="0"/>
+              <a:pPr/>
               <a:t>‹#›</a:t>
             </a:fld>
             <a:endParaRPr lang="ru-RU"/>
@@ -3268,7 +3291,7 @@
     </p:spTree>
     <p:extLst>
       <p:ext uri="{BB962C8B-B14F-4D97-AF65-F5344CB8AC3E}">
-        <p14:creationId xmlns:p14="http://schemas.microsoft.com/office/powerpoint/2010/main" val="2367375137"/>
+        <p14:creationId xmlns:p14="http://schemas.microsoft.com/office/powerpoint/2010/main" xmlns="" val="2367375137"/>
       </p:ext>
     </p:extLst>
   </p:cSld>
@@ -3449,6 +3472,7 @@
           <a:p>
             <a:fld id="{A01CB8F7-C920-432F-9BA7-60C26906864F}" type="datetimeFigureOut">
               <a:rPr lang="ru-RU" smtClean="0"/>
+              <a:pPr/>
               <a:t>09.10.2019</a:t>
             </a:fld>
             <a:endParaRPr lang="ru-RU"/>
@@ -3491,6 +3515,7 @@
           <a:p>
             <a:fld id="{5B3C017D-B223-4DF1-B40D-479C5670CB03}" type="slidenum">
               <a:rPr lang="ru-RU" smtClean="0"/>
+              <a:pPr/>
               <a:t>‹#›</a:t>
             </a:fld>
             <a:endParaRPr lang="ru-RU"/>
@@ -3500,7 +3525,7 @@
     </p:spTree>
     <p:extLst>
       <p:ext uri="{BB962C8B-B14F-4D97-AF65-F5344CB8AC3E}">
-        <p14:creationId xmlns:p14="http://schemas.microsoft.com/office/powerpoint/2010/main" val="1934728443"/>
+        <p14:creationId xmlns:p14="http://schemas.microsoft.com/office/powerpoint/2010/main" xmlns="" val="1934728443"/>
       </p:ext>
     </p:extLst>
   </p:cSld>
@@ -3823,6 +3848,7 @@
           <a:p>
             <a:fld id="{A01CB8F7-C920-432F-9BA7-60C26906864F}" type="datetimeFigureOut">
               <a:rPr lang="ru-RU" smtClean="0"/>
+              <a:pPr/>
               <a:t>09.10.2019</a:t>
             </a:fld>
             <a:endParaRPr lang="ru-RU"/>
@@ -3865,6 +3891,7 @@
           <a:p>
             <a:fld id="{5B3C017D-B223-4DF1-B40D-479C5670CB03}" type="slidenum">
               <a:rPr lang="ru-RU" smtClean="0"/>
+              <a:pPr/>
               <a:t>‹#›</a:t>
             </a:fld>
             <a:endParaRPr lang="ru-RU"/>
@@ -3874,7 +3901,7 @@
     </p:spTree>
     <p:extLst>
       <p:ext uri="{BB962C8B-B14F-4D97-AF65-F5344CB8AC3E}">
-        <p14:creationId xmlns:p14="http://schemas.microsoft.com/office/powerpoint/2010/main" val="865285162"/>
+        <p14:creationId xmlns:p14="http://schemas.microsoft.com/office/powerpoint/2010/main" xmlns="" val="865285162"/>
       </p:ext>
     </p:extLst>
   </p:cSld>
@@ -3946,6 +3973,7 @@
           <a:p>
             <a:fld id="{A01CB8F7-C920-432F-9BA7-60C26906864F}" type="datetimeFigureOut">
               <a:rPr lang="ru-RU" smtClean="0"/>
+              <a:pPr/>
               <a:t>09.10.2019</a:t>
             </a:fld>
             <a:endParaRPr lang="ru-RU"/>
@@ -3988,6 +4016,7 @@
           <a:p>
             <a:fld id="{5B3C017D-B223-4DF1-B40D-479C5670CB03}" type="slidenum">
               <a:rPr lang="ru-RU" smtClean="0"/>
+              <a:pPr/>
               <a:t>‹#›</a:t>
             </a:fld>
             <a:endParaRPr lang="ru-RU"/>
@@ -3997,7 +4026,7 @@
     </p:spTree>
     <p:extLst>
       <p:ext uri="{BB962C8B-B14F-4D97-AF65-F5344CB8AC3E}">
-        <p14:creationId xmlns:p14="http://schemas.microsoft.com/office/powerpoint/2010/main" val="4134775364"/>
+        <p14:creationId xmlns:p14="http://schemas.microsoft.com/office/powerpoint/2010/main" xmlns="" val="4134775364"/>
       </p:ext>
     </p:extLst>
   </p:cSld>
@@ -4041,6 +4070,7 @@
           <a:p>
             <a:fld id="{A01CB8F7-C920-432F-9BA7-60C26906864F}" type="datetimeFigureOut">
               <a:rPr lang="ru-RU" smtClean="0"/>
+              <a:pPr/>
               <a:t>09.10.2019</a:t>
             </a:fld>
             <a:endParaRPr lang="ru-RU"/>
@@ -4083,6 +4113,7 @@
           <a:p>
             <a:fld id="{5B3C017D-B223-4DF1-B40D-479C5670CB03}" type="slidenum">
               <a:rPr lang="ru-RU" smtClean="0"/>
+              <a:pPr/>
               <a:t>‹#›</a:t>
             </a:fld>
             <a:endParaRPr lang="ru-RU"/>
@@ -4092,7 +4123,7 @@
     </p:spTree>
     <p:extLst>
       <p:ext uri="{BB962C8B-B14F-4D97-AF65-F5344CB8AC3E}">
-        <p14:creationId xmlns:p14="http://schemas.microsoft.com/office/powerpoint/2010/main" val="3075300023"/>
+        <p14:creationId xmlns:p14="http://schemas.microsoft.com/office/powerpoint/2010/main" xmlns="" val="3075300023"/>
       </p:ext>
     </p:extLst>
   </p:cSld>
@@ -4296,6 +4327,7 @@
           <a:p>
             <a:fld id="{A01CB8F7-C920-432F-9BA7-60C26906864F}" type="datetimeFigureOut">
               <a:rPr lang="ru-RU" smtClean="0"/>
+              <a:pPr/>
               <a:t>09.10.2019</a:t>
             </a:fld>
             <a:endParaRPr lang="ru-RU"/>
@@ -4338,6 +4370,7 @@
           <a:p>
             <a:fld id="{5B3C017D-B223-4DF1-B40D-479C5670CB03}" type="slidenum">
               <a:rPr lang="ru-RU" smtClean="0"/>
+              <a:pPr/>
               <a:t>‹#›</a:t>
             </a:fld>
             <a:endParaRPr lang="ru-RU"/>
@@ -4347,7 +4380,7 @@
     </p:spTree>
     <p:extLst>
       <p:ext uri="{BB962C8B-B14F-4D97-AF65-F5344CB8AC3E}">
-        <p14:creationId xmlns:p14="http://schemas.microsoft.com/office/powerpoint/2010/main" val="1306650702"/>
+        <p14:creationId xmlns:p14="http://schemas.microsoft.com/office/powerpoint/2010/main" xmlns="" val="1306650702"/>
       </p:ext>
     </p:extLst>
   </p:cSld>
@@ -4559,6 +4592,7 @@
           <a:p>
             <a:fld id="{A01CB8F7-C920-432F-9BA7-60C26906864F}" type="datetimeFigureOut">
               <a:rPr lang="ru-RU" smtClean="0"/>
+              <a:pPr/>
               <a:t>09.10.2019</a:t>
             </a:fld>
             <a:endParaRPr lang="ru-RU"/>
@@ -4601,6 +4635,7 @@
           <a:p>
             <a:fld id="{5B3C017D-B223-4DF1-B40D-479C5670CB03}" type="slidenum">
               <a:rPr lang="ru-RU" smtClean="0"/>
+              <a:pPr/>
               <a:t>‹#›</a:t>
             </a:fld>
             <a:endParaRPr lang="ru-RU"/>
@@ -4610,7 +4645,7 @@
     </p:spTree>
     <p:extLst>
       <p:ext uri="{BB962C8B-B14F-4D97-AF65-F5344CB8AC3E}">
-        <p14:creationId xmlns:p14="http://schemas.microsoft.com/office/powerpoint/2010/main" val="62820830"/>
+        <p14:creationId xmlns:p14="http://schemas.microsoft.com/office/powerpoint/2010/main" xmlns="" val="62820830"/>
       </p:ext>
     </p:extLst>
   </p:cSld>
@@ -5302,6 +5337,7 @@
           <a:p>
             <a:fld id="{A01CB8F7-C920-432F-9BA7-60C26906864F}" type="datetimeFigureOut">
               <a:rPr lang="ru-RU" smtClean="0"/>
+              <a:pPr/>
               <a:t>09.10.2019</a:t>
             </a:fld>
             <a:endParaRPr lang="ru-RU"/>
@@ -5378,6 +5414,7 @@
           <a:p>
             <a:fld id="{5B3C017D-B223-4DF1-B40D-479C5670CB03}" type="slidenum">
               <a:rPr lang="ru-RU" smtClean="0"/>
+              <a:pPr/>
               <a:t>‹#›</a:t>
             </a:fld>
             <a:endParaRPr lang="ru-RU"/>
@@ -5387,7 +5424,7 @@
     </p:spTree>
     <p:extLst>
       <p:ext uri="{BB962C8B-B14F-4D97-AF65-F5344CB8AC3E}">
-        <p14:creationId xmlns:p14="http://schemas.microsoft.com/office/powerpoint/2010/main" val="2691651623"/>
+        <p14:creationId xmlns:p14="http://schemas.microsoft.com/office/powerpoint/2010/main" xmlns="" val="2691651623"/>
       </p:ext>
     </p:extLst>
   </p:cSld>
@@ -5831,7 +5868,7 @@
           <p:cNvPr id="2" name="Заголовок 1">
             <a:extLst>
               <a:ext uri="{FF2B5EF4-FFF2-40B4-BE49-F238E27FC236}">
-                <a16:creationId xmlns:a16="http://schemas.microsoft.com/office/drawing/2014/main" id="{9755ACBE-8EFA-4744-8A39-435A809E0624}"/>
+                <a16:creationId xmlns:a16="http://schemas.microsoft.com/office/drawing/2014/main" xmlns="" id="{9755ACBE-8EFA-4744-8A39-435A809E0624}"/>
               </a:ext>
             </a:extLst>
           </p:cNvPr>
@@ -5860,7 +5897,7 @@
           <p:cNvPr id="3" name="Подзаголовок 2">
             <a:extLst>
               <a:ext uri="{FF2B5EF4-FFF2-40B4-BE49-F238E27FC236}">
-                <a16:creationId xmlns:a16="http://schemas.microsoft.com/office/drawing/2014/main" id="{1513DAA5-4F1D-43D3-83F3-CD4CF3AF8A9E}"/>
+                <a16:creationId xmlns:a16="http://schemas.microsoft.com/office/drawing/2014/main" xmlns="" id="{1513DAA5-4F1D-43D3-83F3-CD4CF3AF8A9E}"/>
               </a:ext>
             </a:extLst>
           </p:cNvPr>
@@ -5891,7 +5928,7 @@
     </p:spTree>
     <p:extLst>
       <p:ext uri="{BB962C8B-B14F-4D97-AF65-F5344CB8AC3E}">
-        <p14:creationId xmlns:p14="http://schemas.microsoft.com/office/powerpoint/2010/main" val="3826569723"/>
+        <p14:creationId xmlns:p14="http://schemas.microsoft.com/office/powerpoint/2010/main" xmlns="" val="3826569723"/>
       </p:ext>
     </p:extLst>
   </p:cSld>
@@ -5923,7 +5960,7 @@
           <p:cNvPr id="2" name="Заголовок 1">
             <a:extLst>
               <a:ext uri="{FF2B5EF4-FFF2-40B4-BE49-F238E27FC236}">
-                <a16:creationId xmlns:a16="http://schemas.microsoft.com/office/drawing/2014/main" id="{BB1EC032-03AA-453A-8908-E64E70EA0791}"/>
+                <a16:creationId xmlns:a16="http://schemas.microsoft.com/office/drawing/2014/main" xmlns="" id="{BB1EC032-03AA-453A-8908-E64E70EA0791}"/>
               </a:ext>
             </a:extLst>
           </p:cNvPr>
@@ -5964,7 +6001,7 @@
           <p:cNvPr id="3" name="Объект 2">
             <a:extLst>
               <a:ext uri="{FF2B5EF4-FFF2-40B4-BE49-F238E27FC236}">
-                <a16:creationId xmlns:a16="http://schemas.microsoft.com/office/drawing/2014/main" id="{D676FA5B-BEC3-4645-AA59-03A18D121F83}"/>
+                <a16:creationId xmlns:a16="http://schemas.microsoft.com/office/drawing/2014/main" xmlns="" id="{D676FA5B-BEC3-4645-AA59-03A18D121F83}"/>
               </a:ext>
             </a:extLst>
           </p:cNvPr>
@@ -6063,7 +6100,7 @@
     </p:spTree>
     <p:extLst>
       <p:ext uri="{BB962C8B-B14F-4D97-AF65-F5344CB8AC3E}">
-        <p14:creationId xmlns:p14="http://schemas.microsoft.com/office/powerpoint/2010/main" val="4081517834"/>
+        <p14:creationId xmlns:p14="http://schemas.microsoft.com/office/powerpoint/2010/main" xmlns="" val="4081517834"/>
       </p:ext>
     </p:extLst>
   </p:cSld>
@@ -6095,7 +6132,7 @@
           <p:cNvPr id="2" name="Заголовок 1">
             <a:extLst>
               <a:ext uri="{FF2B5EF4-FFF2-40B4-BE49-F238E27FC236}">
-                <a16:creationId xmlns:a16="http://schemas.microsoft.com/office/drawing/2014/main" id="{F95C9BAC-8454-4FD0-87CD-79C4D8756D88}"/>
+                <a16:creationId xmlns:a16="http://schemas.microsoft.com/office/drawing/2014/main" xmlns="" id="{F95C9BAC-8454-4FD0-87CD-79C4D8756D88}"/>
               </a:ext>
             </a:extLst>
           </p:cNvPr>
@@ -6123,7 +6160,7 @@
           <p:cNvPr id="3" name="Объект 2">
             <a:extLst>
               <a:ext uri="{FF2B5EF4-FFF2-40B4-BE49-F238E27FC236}">
-                <a16:creationId xmlns:a16="http://schemas.microsoft.com/office/drawing/2014/main" id="{D2E20C96-82EC-415A-8AFE-2BD3D771E496}"/>
+                <a16:creationId xmlns:a16="http://schemas.microsoft.com/office/drawing/2014/main" xmlns="" id="{D2E20C96-82EC-415A-8AFE-2BD3D771E496}"/>
               </a:ext>
             </a:extLst>
           </p:cNvPr>
@@ -6241,7 +6278,636 @@
     </p:spTree>
     <p:extLst>
       <p:ext uri="{BB962C8B-B14F-4D97-AF65-F5344CB8AC3E}">
-        <p14:creationId xmlns:p14="http://schemas.microsoft.com/office/powerpoint/2010/main" val="1736875248"/>
+        <p14:creationId xmlns:p14="http://schemas.microsoft.com/office/powerpoint/2010/main" xmlns="" val="1736875248"/>
+      </p:ext>
+    </p:extLst>
+  </p:cSld>
+  <p:clrMapOvr>
+    <a:masterClrMapping/>
+  </p:clrMapOvr>
+</p:sld>
+</file>
+
+<file path=ppt/slides/slide4.xml><?xml version="1.0" encoding="utf-8"?>
+<p:sld xmlns:a="http://schemas.openxmlformats.org/drawingml/2006/main" xmlns:r="http://schemas.openxmlformats.org/officeDocument/2006/relationships" xmlns:p="http://schemas.openxmlformats.org/presentationml/2006/main">
+  <p:cSld>
+    <p:spTree>
+      <p:nvGrpSpPr>
+        <p:cNvPr id="1" name=""/>
+        <p:cNvGrpSpPr/>
+        <p:nvPr/>
+      </p:nvGrpSpPr>
+      <p:grpSpPr>
+        <a:xfrm>
+          <a:off x="0" y="0"/>
+          <a:ext cx="0" cy="0"/>
+          <a:chOff x="0" y="0"/>
+          <a:chExt cx="0" cy="0"/>
+        </a:xfrm>
+      </p:grpSpPr>
+      <p:sp>
+        <p:nvSpPr>
+          <p:cNvPr id="2" name="Заголовок 1">
+            <a:extLst>
+              <a:ext uri="{FF2B5EF4-FFF2-40B4-BE49-F238E27FC236}">
+                <a16:creationId xmlns:a16="http://schemas.microsoft.com/office/drawing/2014/main" xmlns="" id="{F95C9BAC-8454-4FD0-87CD-79C4D8756D88}"/>
+              </a:ext>
+            </a:extLst>
+          </p:cNvPr>
+          <p:cNvSpPr>
+            <a:spLocks noGrp="1"/>
+          </p:cNvSpPr>
+          <p:nvPr>
+            <p:ph type="title"/>
+          </p:nvPr>
+        </p:nvSpPr>
+        <p:spPr/>
+        <p:txBody>
+          <a:bodyPr/>
+          <a:lstStyle/>
+          <a:p>
+            <a:r>
+              <a:rPr lang="ru-RU" dirty="0" smtClean="0"/>
+              <a:t>Файл схемы на примере </a:t>
+            </a:r>
+            <a:r>
+              <a:rPr lang="en-US" dirty="0" smtClean="0"/>
+              <a:t>monster.fbs</a:t>
+            </a:r>
+            <a:endParaRPr lang="ru-RU" dirty="0"/>
+          </a:p>
+        </p:txBody>
+      </p:sp>
+      <p:sp>
+        <p:nvSpPr>
+          <p:cNvPr id="3" name="Объект 2">
+            <a:extLst>
+              <a:ext uri="{FF2B5EF4-FFF2-40B4-BE49-F238E27FC236}">
+                <a16:creationId xmlns:a16="http://schemas.microsoft.com/office/drawing/2014/main" xmlns="" id="{D2E20C96-82EC-415A-8AFE-2BD3D771E496}"/>
+              </a:ext>
+            </a:extLst>
+          </p:cNvPr>
+          <p:cNvSpPr>
+            <a:spLocks noGrp="1"/>
+          </p:cNvSpPr>
+          <p:nvPr>
+            <p:ph idx="1"/>
+          </p:nvPr>
+        </p:nvSpPr>
+        <p:spPr>
+          <a:xfrm>
+            <a:off x="677334" y="1285337"/>
+            <a:ext cx="8596668" cy="4756026"/>
+          </a:xfrm>
+        </p:spPr>
+        <p:txBody>
+          <a:bodyPr>
+            <a:noAutofit/>
+          </a:bodyPr>
+          <a:lstStyle/>
+          <a:p>
+            <a:r>
+              <a:rPr lang="ru-RU" sz="1600" dirty="0" err="1" smtClean="0"/>
+              <a:t>namespace</a:t>
+            </a:r>
+            <a:r>
+              <a:rPr lang="ru-RU" sz="1600" dirty="0" smtClean="0"/>
+              <a:t> определяет соответствующий </a:t>
+            </a:r>
+            <a:r>
+              <a:rPr lang="ru-RU" sz="1600" dirty="0" err="1" smtClean="0"/>
+              <a:t>неймспейс</a:t>
+            </a:r>
+            <a:r>
+              <a:rPr lang="ru-RU" sz="1600" dirty="0" smtClean="0"/>
+              <a:t> или пакет для сгенерированного кода. В примере у нас </a:t>
+            </a:r>
+            <a:r>
+              <a:rPr lang="ru-RU" sz="1600" dirty="0" err="1" smtClean="0"/>
+              <a:t>неймспейс</a:t>
+            </a:r>
+            <a:r>
+              <a:rPr lang="ru-RU" sz="1600" dirty="0" smtClean="0"/>
+              <a:t> </a:t>
+            </a:r>
+            <a:r>
+              <a:rPr lang="ru-RU" sz="1600" dirty="0" err="1" smtClean="0"/>
+              <a:t>МайГейм</a:t>
+            </a:r>
+            <a:r>
+              <a:rPr lang="ru-RU" sz="1600" dirty="0" smtClean="0"/>
+              <a:t>, а внутри </a:t>
+            </a:r>
+            <a:r>
+              <a:rPr lang="ru-RU" sz="1600" dirty="0" err="1" smtClean="0"/>
+              <a:t>неймспейс</a:t>
+            </a:r>
+            <a:r>
+              <a:rPr lang="ru-RU" sz="1600" dirty="0" smtClean="0"/>
+              <a:t> </a:t>
+            </a:r>
+            <a:r>
+              <a:rPr lang="ru-RU" sz="1600" dirty="0" err="1" smtClean="0"/>
+              <a:t>Семпл</a:t>
+            </a:r>
+            <a:endParaRPr lang="ru-RU" sz="1600" dirty="0" smtClean="0"/>
+          </a:p>
+          <a:p>
+            <a:r>
+              <a:rPr lang="ru-RU" sz="1600" dirty="0" err="1" smtClean="0"/>
+              <a:t>enum</a:t>
+            </a:r>
+            <a:r>
+              <a:rPr lang="ru-RU" sz="1600" dirty="0" smtClean="0"/>
+              <a:t> = обычное множество</a:t>
+            </a:r>
+          </a:p>
+          <a:p>
+            <a:r>
+              <a:rPr lang="ru-RU" sz="1600" dirty="0" err="1" smtClean="0"/>
+              <a:t>union</a:t>
+            </a:r>
+            <a:r>
+              <a:rPr lang="ru-RU" sz="1600" dirty="0" smtClean="0"/>
+              <a:t> объединение нескольких таблиц, пока искусственно введено</a:t>
+            </a:r>
+          </a:p>
+          <a:p>
+            <a:r>
+              <a:rPr lang="ru-RU" sz="1600" dirty="0" err="1" smtClean="0"/>
+              <a:t>struct</a:t>
+            </a:r>
+            <a:r>
+              <a:rPr lang="ru-RU" sz="1600" dirty="0" smtClean="0"/>
+              <a:t> подходит для структур данных, которые не изменятся, используют меньше памяти и более быстрый просмотр</a:t>
+            </a:r>
+          </a:p>
+          <a:p>
+            <a:r>
+              <a:rPr lang="ru-RU" sz="1600" dirty="0" err="1" smtClean="0"/>
+              <a:t>table</a:t>
+            </a:r>
+            <a:r>
+              <a:rPr lang="ru-RU" sz="1600" dirty="0" smtClean="0"/>
+              <a:t> основной способ объявить объект содержит имя и список полей, каждое поле содержит имя и тип, опционально </a:t>
+            </a:r>
+            <a:r>
+              <a:rPr lang="ru-RU" sz="1600" dirty="0" err="1" smtClean="0"/>
+              <a:t>дефолтное</a:t>
+            </a:r>
+            <a:r>
+              <a:rPr lang="ru-RU" sz="1600" dirty="0" smtClean="0"/>
+              <a:t> значения(если не указано, то 0 или NULL)</a:t>
+            </a:r>
+          </a:p>
+          <a:p>
+            <a:r>
+              <a:rPr lang="ru-RU" sz="1600" dirty="0" smtClean="0"/>
+              <a:t>Добавлять новые поля в схему можно только в конце определения таблицы. </a:t>
+            </a:r>
+          </a:p>
+          <a:p>
+            <a:r>
+              <a:rPr lang="ru-RU" sz="1600" dirty="0" smtClean="0"/>
+              <a:t>Вы можете изменить имена полей и имена таблиц, но нужно все переименовать в коде.</a:t>
+            </a:r>
+          </a:p>
+          <a:p>
+            <a:r>
+              <a:rPr lang="ru-RU" sz="1600" dirty="0" smtClean="0"/>
+              <a:t>Вы не можете удалить поля, которые вы больше не используете из схемы.</a:t>
+            </a:r>
+            <a:endParaRPr lang="ru-RU" sz="1600" dirty="0"/>
+          </a:p>
+        </p:txBody>
+      </p:sp>
+    </p:spTree>
+    <p:extLst>
+      <p:ext uri="{BB962C8B-B14F-4D97-AF65-F5344CB8AC3E}">
+        <p14:creationId xmlns:p14="http://schemas.microsoft.com/office/powerpoint/2010/main" xmlns="" val="1736875248"/>
+      </p:ext>
+    </p:extLst>
+  </p:cSld>
+  <p:clrMapOvr>
+    <a:masterClrMapping/>
+  </p:clrMapOvr>
+</p:sld>
+</file>
+
+<file path=ppt/slides/slide5.xml><?xml version="1.0" encoding="utf-8"?>
+<p:sld xmlns:a="http://schemas.openxmlformats.org/drawingml/2006/main" xmlns:r="http://schemas.openxmlformats.org/officeDocument/2006/relationships" xmlns:p="http://schemas.openxmlformats.org/presentationml/2006/main">
+  <p:cSld>
+    <p:spTree>
+      <p:nvGrpSpPr>
+        <p:cNvPr id="1" name=""/>
+        <p:cNvGrpSpPr/>
+        <p:nvPr/>
+      </p:nvGrpSpPr>
+      <p:grpSpPr>
+        <a:xfrm>
+          <a:off x="0" y="0"/>
+          <a:ext cx="0" cy="0"/>
+          <a:chOff x="0" y="0"/>
+          <a:chExt cx="0" cy="0"/>
+        </a:xfrm>
+      </p:grpSpPr>
+      <p:sp>
+        <p:nvSpPr>
+          <p:cNvPr id="2" name="Заголовок 1">
+            <a:extLst>
+              <a:ext uri="{FF2B5EF4-FFF2-40B4-BE49-F238E27FC236}">
+                <a16:creationId xmlns:a16="http://schemas.microsoft.com/office/drawing/2014/main" xmlns="" id="{F95C9BAC-8454-4FD0-87CD-79C4D8756D88}"/>
+              </a:ext>
+            </a:extLst>
+          </p:cNvPr>
+          <p:cNvSpPr>
+            <a:spLocks noGrp="1"/>
+          </p:cNvSpPr>
+          <p:nvPr>
+            <p:ph type="title"/>
+          </p:nvPr>
+        </p:nvSpPr>
+        <p:spPr/>
+        <p:txBody>
+          <a:bodyPr/>
+          <a:lstStyle/>
+          <a:p>
+            <a:r>
+              <a:rPr lang="ru-RU" dirty="0" smtClean="0"/>
+              <a:t>Файл схемы на примере </a:t>
+            </a:r>
+            <a:r>
+              <a:rPr lang="en-US" dirty="0" smtClean="0"/>
+              <a:t>monster.fbs</a:t>
+            </a:r>
+            <a:endParaRPr lang="ru-RU" dirty="0"/>
+          </a:p>
+        </p:txBody>
+      </p:sp>
+      <p:sp>
+        <p:nvSpPr>
+          <p:cNvPr id="3" name="Объект 2">
+            <a:extLst>
+              <a:ext uri="{FF2B5EF4-FFF2-40B4-BE49-F238E27FC236}">
+                <a16:creationId xmlns:a16="http://schemas.microsoft.com/office/drawing/2014/main" xmlns="" id="{D2E20C96-82EC-415A-8AFE-2BD3D771E496}"/>
+              </a:ext>
+            </a:extLst>
+          </p:cNvPr>
+          <p:cNvSpPr>
+            <a:spLocks noGrp="1"/>
+          </p:cNvSpPr>
+          <p:nvPr>
+            <p:ph idx="1"/>
+          </p:nvPr>
+        </p:nvSpPr>
+        <p:spPr>
+          <a:xfrm>
+            <a:off x="677334" y="1285337"/>
+            <a:ext cx="8596668" cy="4756026"/>
+          </a:xfrm>
+        </p:spPr>
+        <p:txBody>
+          <a:bodyPr>
+            <a:noAutofit/>
+          </a:bodyPr>
+          <a:lstStyle/>
+          <a:p>
+            <a:pPr>
+              <a:buNone/>
+            </a:pPr>
+            <a:r>
+              <a:rPr lang="en-US" sz="1600" b="1" dirty="0" smtClean="0"/>
+              <a:t>Built-in scalar types are</a:t>
+            </a:r>
+          </a:p>
+          <a:p>
+            <a:pPr fontAlgn="base">
+              <a:buNone/>
+            </a:pPr>
+            <a:r>
+              <a:rPr lang="en-US" sz="1600" dirty="0" smtClean="0"/>
+              <a:t>	8 bit: byte (int8), </a:t>
+            </a:r>
+            <a:r>
+              <a:rPr lang="en-US" sz="1600" dirty="0" err="1" smtClean="0"/>
+              <a:t>ubyte</a:t>
+            </a:r>
+            <a:r>
+              <a:rPr lang="en-US" sz="1600" dirty="0" smtClean="0"/>
+              <a:t> (uint8), </a:t>
+            </a:r>
+            <a:r>
+              <a:rPr lang="en-US" sz="1600" dirty="0" err="1" smtClean="0"/>
+              <a:t>bool</a:t>
+            </a:r>
+            <a:endParaRPr lang="en-US" sz="1600" dirty="0" smtClean="0"/>
+          </a:p>
+          <a:p>
+            <a:pPr fontAlgn="base">
+              <a:buNone/>
+            </a:pPr>
+            <a:r>
+              <a:rPr lang="en-US" sz="1600" dirty="0" smtClean="0"/>
+              <a:t>	16 bit: short (int16), </a:t>
+            </a:r>
+            <a:r>
+              <a:rPr lang="en-US" sz="1600" dirty="0" err="1" smtClean="0"/>
+              <a:t>ushort</a:t>
+            </a:r>
+            <a:r>
+              <a:rPr lang="en-US" sz="1600" dirty="0" smtClean="0"/>
+              <a:t> (uint16)</a:t>
+            </a:r>
+          </a:p>
+          <a:p>
+            <a:pPr fontAlgn="base">
+              <a:buNone/>
+            </a:pPr>
+            <a:r>
+              <a:rPr lang="en-US" sz="1600" dirty="0" smtClean="0"/>
+              <a:t>	32 bit: </a:t>
+            </a:r>
+            <a:r>
+              <a:rPr lang="en-US" sz="1600" dirty="0" err="1" smtClean="0"/>
+              <a:t>int</a:t>
+            </a:r>
+            <a:r>
+              <a:rPr lang="en-US" sz="1600" dirty="0" smtClean="0"/>
+              <a:t> (int32), </a:t>
+            </a:r>
+            <a:r>
+              <a:rPr lang="en-US" sz="1600" dirty="0" err="1" smtClean="0"/>
+              <a:t>uint</a:t>
+            </a:r>
+            <a:r>
+              <a:rPr lang="en-US" sz="1600" dirty="0" smtClean="0"/>
+              <a:t> (uint32), float (float32)</a:t>
+            </a:r>
+          </a:p>
+          <a:p>
+            <a:pPr fontAlgn="base">
+              <a:buNone/>
+            </a:pPr>
+            <a:r>
+              <a:rPr lang="en-US" sz="1600" dirty="0" smtClean="0"/>
+              <a:t>	64 bit: long (int64), </a:t>
+            </a:r>
+            <a:r>
+              <a:rPr lang="en-US" sz="1600" dirty="0" err="1" smtClean="0"/>
+              <a:t>ulong</a:t>
+            </a:r>
+            <a:r>
+              <a:rPr lang="en-US" sz="1600" dirty="0" smtClean="0"/>
+              <a:t> (uint64), double (float64)</a:t>
+            </a:r>
+          </a:p>
+          <a:p>
+            <a:pPr>
+              <a:buNone/>
+            </a:pPr>
+            <a:r>
+              <a:rPr lang="en-US" sz="1600" dirty="0" smtClean="0"/>
+              <a:t>The type names in parentheses are alias names such that for example uint8 can be used in place of </a:t>
+            </a:r>
+            <a:r>
+              <a:rPr lang="en-US" sz="1600" dirty="0" err="1" smtClean="0"/>
+              <a:t>ubyte</a:t>
+            </a:r>
+            <a:r>
+              <a:rPr lang="en-US" sz="1600" dirty="0" smtClean="0"/>
+              <a:t>, and int32 can be used in place of </a:t>
+            </a:r>
+            <a:r>
+              <a:rPr lang="en-US" sz="1600" dirty="0" err="1" smtClean="0"/>
+              <a:t>int</a:t>
+            </a:r>
+            <a:r>
+              <a:rPr lang="en-US" sz="1600" dirty="0" smtClean="0"/>
+              <a:t> without affecting code generation.</a:t>
+            </a:r>
+          </a:p>
+          <a:p>
+            <a:pPr>
+              <a:buNone/>
+            </a:pPr>
+            <a:r>
+              <a:rPr lang="en-US" sz="1600" dirty="0" smtClean="0"/>
+              <a:t>Built-in non-scalar types:</a:t>
+            </a:r>
+          </a:p>
+          <a:p>
+            <a:pPr fontAlgn="base">
+              <a:buNone/>
+            </a:pPr>
+            <a:r>
+              <a:rPr lang="en-US" sz="1600" b="1" dirty="0" smtClean="0"/>
+              <a:t>Vector</a:t>
+            </a:r>
+            <a:r>
+              <a:rPr lang="en-US" sz="1600" dirty="0" smtClean="0"/>
+              <a:t> of any other type (denoted with </a:t>
+            </a:r>
+            <a:r>
+              <a:rPr lang="en-US" sz="1600" b="1" dirty="0" smtClean="0"/>
+              <a:t>[type]</a:t>
+            </a:r>
+            <a:r>
+              <a:rPr lang="en-US" sz="1600" dirty="0" smtClean="0"/>
+              <a:t>). Nesting vectors is not supported, instead you can wrap the inner vector in a table.</a:t>
+            </a:r>
+          </a:p>
+          <a:p>
+            <a:pPr fontAlgn="base">
+              <a:buNone/>
+            </a:pPr>
+            <a:r>
+              <a:rPr lang="en-US" sz="1600" b="1" dirty="0" smtClean="0"/>
+              <a:t>string</a:t>
+            </a:r>
+            <a:r>
+              <a:rPr lang="en-US" sz="1600" dirty="0" smtClean="0"/>
+              <a:t>, which may only hold UTF-8 or 7-bit ASCII. For other text encodings or general binary data use vectors (</a:t>
+            </a:r>
+            <a:r>
+              <a:rPr lang="en-US" sz="1600" b="1" dirty="0" smtClean="0"/>
+              <a:t>[byte] or [</a:t>
+            </a:r>
+            <a:r>
+              <a:rPr lang="en-US" sz="1600" b="1" dirty="0" err="1" smtClean="0"/>
+              <a:t>ubyte</a:t>
+            </a:r>
+            <a:r>
+              <a:rPr lang="en-US" sz="1600" b="1" dirty="0" smtClean="0"/>
+              <a:t>]</a:t>
+            </a:r>
+            <a:r>
+              <a:rPr lang="en-US" sz="1600" dirty="0" smtClean="0"/>
+              <a:t>) instead.</a:t>
+            </a:r>
+          </a:p>
+          <a:p>
+            <a:pPr fontAlgn="base">
+              <a:buNone/>
+            </a:pPr>
+            <a:r>
+              <a:rPr lang="en-US" sz="1600" dirty="0" smtClean="0"/>
+              <a:t>References to other </a:t>
+            </a:r>
+            <a:r>
+              <a:rPr lang="en-US" sz="1600" b="1" dirty="0" smtClean="0"/>
+              <a:t>tables or </a:t>
+            </a:r>
+            <a:r>
+              <a:rPr lang="en-US" sz="1600" b="1" dirty="0" err="1" smtClean="0"/>
+              <a:t>structs</a:t>
+            </a:r>
+            <a:r>
+              <a:rPr lang="en-US" sz="1600" b="1" dirty="0" smtClean="0"/>
+              <a:t>, </a:t>
+            </a:r>
+            <a:r>
+              <a:rPr lang="en-US" sz="1600" b="1" dirty="0" err="1" smtClean="0"/>
+              <a:t>enums</a:t>
+            </a:r>
+            <a:r>
+              <a:rPr lang="en-US" sz="1600" b="1" dirty="0" smtClean="0"/>
+              <a:t> or unions</a:t>
+            </a:r>
+            <a:endParaRPr lang="en-US" sz="1600" b="1" dirty="0"/>
+          </a:p>
+        </p:txBody>
+      </p:sp>
+    </p:spTree>
+    <p:extLst>
+      <p:ext uri="{BB962C8B-B14F-4D97-AF65-F5344CB8AC3E}">
+        <p14:creationId xmlns:p14="http://schemas.microsoft.com/office/powerpoint/2010/main" xmlns="" val="1736875248"/>
+      </p:ext>
+    </p:extLst>
+  </p:cSld>
+  <p:clrMapOvr>
+    <a:masterClrMapping/>
+  </p:clrMapOvr>
+</p:sld>
+</file>
+
+<file path=ppt/slides/slide6.xml><?xml version="1.0" encoding="utf-8"?>
+<p:sld xmlns:a="http://schemas.openxmlformats.org/drawingml/2006/main" xmlns:r="http://schemas.openxmlformats.org/officeDocument/2006/relationships" xmlns:p="http://schemas.openxmlformats.org/presentationml/2006/main">
+  <p:cSld>
+    <p:spTree>
+      <p:nvGrpSpPr>
+        <p:cNvPr id="1" name=""/>
+        <p:cNvGrpSpPr/>
+        <p:nvPr/>
+      </p:nvGrpSpPr>
+      <p:grpSpPr>
+        <a:xfrm>
+          <a:off x="0" y="0"/>
+          <a:ext cx="0" cy="0"/>
+          <a:chOff x="0" y="0"/>
+          <a:chExt cx="0" cy="0"/>
+        </a:xfrm>
+      </p:grpSpPr>
+      <p:sp>
+        <p:nvSpPr>
+          <p:cNvPr id="2" name="Заголовок 1">
+            <a:extLst>
+              <a:ext uri="{FF2B5EF4-FFF2-40B4-BE49-F238E27FC236}">
+                <a16:creationId xmlns:a16="http://schemas.microsoft.com/office/drawing/2014/main" xmlns="" id="{F95C9BAC-8454-4FD0-87CD-79C4D8756D88}"/>
+              </a:ext>
+            </a:extLst>
+          </p:cNvPr>
+          <p:cNvSpPr>
+            <a:spLocks noGrp="1"/>
+          </p:cNvSpPr>
+          <p:nvPr>
+            <p:ph type="title"/>
+          </p:nvPr>
+        </p:nvSpPr>
+        <p:spPr/>
+        <p:txBody>
+          <a:bodyPr/>
+          <a:lstStyle/>
+          <a:p>
+            <a:r>
+              <a:rPr lang="ru-RU" dirty="0" err="1" smtClean="0"/>
+              <a:t>Внутрянка</a:t>
+            </a:r>
+            <a:endParaRPr lang="ru-RU" dirty="0"/>
+          </a:p>
+        </p:txBody>
+      </p:sp>
+      <p:pic>
+        <p:nvPicPr>
+          <p:cNvPr id="1026" name="Picture 2"/>
+          <p:cNvPicPr>
+            <a:picLocks noGrp="1" noChangeAspect="1" noChangeArrowheads="1"/>
+          </p:cNvPicPr>
+          <p:nvPr>
+            <p:ph idx="1"/>
+          </p:nvPr>
+        </p:nvPicPr>
+        <p:blipFill>
+          <a:blip r:embed="rId2"/>
+          <a:srcRect/>
+          <a:stretch>
+            <a:fillRect/>
+          </a:stretch>
+        </p:blipFill>
+        <p:spPr bwMode="auto">
+          <a:xfrm>
+            <a:off x="806250" y="1510629"/>
+            <a:ext cx="7373380" cy="4372586"/>
+          </a:xfrm>
+          <a:prstGeom prst="rect">
+            <a:avLst/>
+          </a:prstGeom>
+          <a:noFill/>
+          <a:ln w="9525">
+            <a:noFill/>
+            <a:miter lim="800000"/>
+            <a:headEnd/>
+            <a:tailEnd/>
+          </a:ln>
+          <a:effectLst/>
+        </p:spPr>
+      </p:pic>
+      <p:pic>
+        <p:nvPicPr>
+          <p:cNvPr id="7" name="Picture 3"/>
+          <p:cNvPicPr>
+            <a:picLocks noChangeAspect="1" noChangeArrowheads="1"/>
+          </p:cNvPicPr>
+          <p:nvPr/>
+        </p:nvPicPr>
+        <p:blipFill>
+          <a:blip r:embed="rId3"/>
+          <a:srcRect/>
+          <a:stretch>
+            <a:fillRect/>
+          </a:stretch>
+        </p:blipFill>
+        <p:spPr bwMode="auto">
+          <a:xfrm>
+            <a:off x="9021522" y="1602213"/>
+            <a:ext cx="1933845" cy="1619476"/>
+          </a:xfrm>
+          <a:prstGeom prst="rect">
+            <a:avLst/>
+          </a:prstGeom>
+          <a:noFill/>
+          <a:ln w="9525">
+            <a:noFill/>
+            <a:miter lim="800000"/>
+            <a:headEnd/>
+            <a:tailEnd/>
+          </a:ln>
+          <a:effectLst/>
+        </p:spPr>
+      </p:pic>
+    </p:spTree>
+    <p:extLst>
+      <p:ext uri="{BB962C8B-B14F-4D97-AF65-F5344CB8AC3E}">
+        <p14:creationId xmlns:p14="http://schemas.microsoft.com/office/powerpoint/2010/main" xmlns="" val="1736875248"/>
       </p:ext>
     </p:extLst>
   </p:cSld>
@@ -6294,7 +6960,7 @@
     </a:clrScheme>
     <a:fontScheme name="Аспект">
       <a:majorFont>
-        <a:latin typeface="Trebuchet MS" panose="020B0603020202020204"/>
+        <a:latin typeface="Trebuchet MS"/>
         <a:ea typeface=""/>
         <a:cs typeface=""/>
         <a:font script="Jpan" typeface="メイリオ"/>
@@ -6329,7 +6995,7 @@
         <a:font script="Geor" typeface="Sylfaen"/>
       </a:majorFont>
       <a:minorFont>
-        <a:latin typeface="Trebuchet MS" panose="020B0603020202020204"/>
+        <a:latin typeface="Trebuchet MS"/>
         <a:ea typeface=""/>
         <a:cs typeface=""/>
         <a:font script="Jpan" typeface="メイリオ"/>
@@ -6502,7 +7168,7 @@
   <a:extraClrSchemeLst/>
   <a:extLst>
     <a:ext uri="{05A4C25C-085E-4340-85A3-A5531E510DB2}">
-      <thm15:themeFamily xmlns:thm15="http://schemas.microsoft.com/office/thememl/2012/main" name="Facet" id="{C0C680CD-088A-49FC-A102-D699147F32B2}" vid="{CFBC31BA-B70F-4F30-BCAA-4F3011E16C4D}"/>
+      <thm15:themeFamily xmlns:thm15="http://schemas.microsoft.com/office/thememl/2012/main" xmlns="" name="Facet" id="{C0C680CD-088A-49FC-A102-D699147F32B2}" vid="{CFBC31BA-B70F-4F30-BCAA-4F3011E16C4D}"/>
     </a:ext>
   </a:extLst>
 </a:theme>

--- a/FlatBuffers.pptx
+++ b/FlatBuffers.pptx
@@ -11,6 +11,7 @@
     <p:sldId id="259" r:id="rId5"/>
     <p:sldId id="260" r:id="rId6"/>
     <p:sldId id="261" r:id="rId7"/>
+    <p:sldId id="262" r:id="rId8"/>
   </p:sldIdLst>
   <p:sldSz cx="12192000" cy="6858000"/>
   <p:notesSz cx="6858000" cy="9144000"/>
@@ -835,7 +836,7 @@
             <a:fld id="{A01CB8F7-C920-432F-9BA7-60C26906864F}" type="datetimeFigureOut">
               <a:rPr lang="ru-RU" smtClean="0"/>
               <a:pPr/>
-              <a:t>09.10.2019</a:t>
+              <a:t>10.10.2019</a:t>
             </a:fld>
             <a:endParaRPr lang="ru-RU"/>
           </a:p>
@@ -887,7 +888,7 @@
     </p:spTree>
     <p:extLst>
       <p:ext uri="{BB962C8B-B14F-4D97-AF65-F5344CB8AC3E}">
-        <p14:creationId xmlns:p14="http://schemas.microsoft.com/office/powerpoint/2010/main" xmlns="" val="3706968697"/>
+        <p14:creationId xmlns="" xmlns:p14="http://schemas.microsoft.com/office/powerpoint/2010/main" val="3706968697"/>
       </p:ext>
     </p:extLst>
   </p:cSld>
@@ -1088,7 +1089,7 @@
             <a:fld id="{A01CB8F7-C920-432F-9BA7-60C26906864F}" type="datetimeFigureOut">
               <a:rPr lang="ru-RU" smtClean="0"/>
               <a:pPr/>
-              <a:t>09.10.2019</a:t>
+              <a:t>10.10.2019</a:t>
             </a:fld>
             <a:endParaRPr lang="ru-RU"/>
           </a:p>
@@ -1140,7 +1141,7 @@
     </p:spTree>
     <p:extLst>
       <p:ext uri="{BB962C8B-B14F-4D97-AF65-F5344CB8AC3E}">
-        <p14:creationId xmlns:p14="http://schemas.microsoft.com/office/powerpoint/2010/main" xmlns="" val="1230715312"/>
+        <p14:creationId xmlns="" xmlns:p14="http://schemas.microsoft.com/office/powerpoint/2010/main" val="1230715312"/>
       </p:ext>
     </p:extLst>
   </p:cSld>
@@ -1404,7 +1405,7 @@
             <a:fld id="{A01CB8F7-C920-432F-9BA7-60C26906864F}" type="datetimeFigureOut">
               <a:rPr lang="ru-RU" smtClean="0"/>
               <a:pPr/>
-              <a:t>09.10.2019</a:t>
+              <a:t>10.10.2019</a:t>
             </a:fld>
             <a:endParaRPr lang="ru-RU"/>
           </a:p>
@@ -1546,7 +1547,7 @@
     </p:spTree>
     <p:extLst>
       <p:ext uri="{BB962C8B-B14F-4D97-AF65-F5344CB8AC3E}">
-        <p14:creationId xmlns:p14="http://schemas.microsoft.com/office/powerpoint/2010/main" xmlns="" val="3325094361"/>
+        <p14:creationId xmlns="" xmlns:p14="http://schemas.microsoft.com/office/powerpoint/2010/main" val="3325094361"/>
       </p:ext>
     </p:extLst>
   </p:cSld>
@@ -1747,7 +1748,7 @@
             <a:fld id="{A01CB8F7-C920-432F-9BA7-60C26906864F}" type="datetimeFigureOut">
               <a:rPr lang="ru-RU" smtClean="0"/>
               <a:pPr/>
-              <a:t>09.10.2019</a:t>
+              <a:t>10.10.2019</a:t>
             </a:fld>
             <a:endParaRPr lang="ru-RU"/>
           </a:p>
@@ -1799,7 +1800,7 @@
     </p:spTree>
     <p:extLst>
       <p:ext uri="{BB962C8B-B14F-4D97-AF65-F5344CB8AC3E}">
-        <p14:creationId xmlns:p14="http://schemas.microsoft.com/office/powerpoint/2010/main" xmlns="" val="2770274673"/>
+        <p14:creationId xmlns="" xmlns:p14="http://schemas.microsoft.com/office/powerpoint/2010/main" val="2770274673"/>
       </p:ext>
     </p:extLst>
   </p:cSld>
@@ -2063,7 +2064,7 @@
             <a:fld id="{A01CB8F7-C920-432F-9BA7-60C26906864F}" type="datetimeFigureOut">
               <a:rPr lang="ru-RU" smtClean="0"/>
               <a:pPr/>
-              <a:t>09.10.2019</a:t>
+              <a:t>10.10.2019</a:t>
             </a:fld>
             <a:endParaRPr lang="ru-RU"/>
           </a:p>
@@ -2197,7 +2198,7 @@
     </p:spTree>
     <p:extLst>
       <p:ext uri="{BB962C8B-B14F-4D97-AF65-F5344CB8AC3E}">
-        <p14:creationId xmlns:p14="http://schemas.microsoft.com/office/powerpoint/2010/main" xmlns="" val="1285909085"/>
+        <p14:creationId xmlns="" xmlns:p14="http://schemas.microsoft.com/office/powerpoint/2010/main" val="1285909085"/>
       </p:ext>
     </p:extLst>
   </p:cSld>
@@ -2458,7 +2459,7 @@
             <a:fld id="{A01CB8F7-C920-432F-9BA7-60C26906864F}" type="datetimeFigureOut">
               <a:rPr lang="ru-RU" smtClean="0"/>
               <a:pPr/>
-              <a:t>09.10.2019</a:t>
+              <a:t>10.10.2019</a:t>
             </a:fld>
             <a:endParaRPr lang="ru-RU"/>
           </a:p>
@@ -2510,7 +2511,7 @@
     </p:spTree>
     <p:extLst>
       <p:ext uri="{BB962C8B-B14F-4D97-AF65-F5344CB8AC3E}">
-        <p14:creationId xmlns:p14="http://schemas.microsoft.com/office/powerpoint/2010/main" xmlns="" val="1431678041"/>
+        <p14:creationId xmlns="" xmlns:p14="http://schemas.microsoft.com/office/powerpoint/2010/main" val="1431678041"/>
       </p:ext>
     </p:extLst>
   </p:cSld>
@@ -2630,7 +2631,7 @@
             <a:fld id="{A01CB8F7-C920-432F-9BA7-60C26906864F}" type="datetimeFigureOut">
               <a:rPr lang="ru-RU" smtClean="0"/>
               <a:pPr/>
-              <a:t>09.10.2019</a:t>
+              <a:t>10.10.2019</a:t>
             </a:fld>
             <a:endParaRPr lang="ru-RU"/>
           </a:p>
@@ -2682,7 +2683,7 @@
     </p:spTree>
     <p:extLst>
       <p:ext uri="{BB962C8B-B14F-4D97-AF65-F5344CB8AC3E}">
-        <p14:creationId xmlns:p14="http://schemas.microsoft.com/office/powerpoint/2010/main" xmlns="" val="3024041075"/>
+        <p14:creationId xmlns="" xmlns:p14="http://schemas.microsoft.com/office/powerpoint/2010/main" val="3024041075"/>
       </p:ext>
     </p:extLst>
   </p:cSld>
@@ -2812,7 +2813,7 @@
             <a:fld id="{A01CB8F7-C920-432F-9BA7-60C26906864F}" type="datetimeFigureOut">
               <a:rPr lang="ru-RU" smtClean="0"/>
               <a:pPr/>
-              <a:t>09.10.2019</a:t>
+              <a:t>10.10.2019</a:t>
             </a:fld>
             <a:endParaRPr lang="ru-RU"/>
           </a:p>
@@ -2864,7 +2865,7 @@
     </p:spTree>
     <p:extLst>
       <p:ext uri="{BB962C8B-B14F-4D97-AF65-F5344CB8AC3E}">
-        <p14:creationId xmlns:p14="http://schemas.microsoft.com/office/powerpoint/2010/main" xmlns="" val="1791918950"/>
+        <p14:creationId xmlns="" xmlns:p14="http://schemas.microsoft.com/office/powerpoint/2010/main" val="1791918950"/>
       </p:ext>
     </p:extLst>
   </p:cSld>
@@ -2990,7 +2991,7 @@
             <a:fld id="{A01CB8F7-C920-432F-9BA7-60C26906864F}" type="datetimeFigureOut">
               <a:rPr lang="ru-RU" smtClean="0"/>
               <a:pPr/>
-              <a:t>09.10.2019</a:t>
+              <a:t>10.10.2019</a:t>
             </a:fld>
             <a:endParaRPr lang="ru-RU"/>
           </a:p>
@@ -3042,7 +3043,7 @@
     </p:spTree>
     <p:extLst>
       <p:ext uri="{BB962C8B-B14F-4D97-AF65-F5344CB8AC3E}">
-        <p14:creationId xmlns:p14="http://schemas.microsoft.com/office/powerpoint/2010/main" xmlns="" val="677354099"/>
+        <p14:creationId xmlns="" xmlns:p14="http://schemas.microsoft.com/office/powerpoint/2010/main" val="677354099"/>
       </p:ext>
     </p:extLst>
   </p:cSld>
@@ -3239,7 +3240,7 @@
             <a:fld id="{A01CB8F7-C920-432F-9BA7-60C26906864F}" type="datetimeFigureOut">
               <a:rPr lang="ru-RU" smtClean="0"/>
               <a:pPr/>
-              <a:t>09.10.2019</a:t>
+              <a:t>10.10.2019</a:t>
             </a:fld>
             <a:endParaRPr lang="ru-RU"/>
           </a:p>
@@ -3291,7 +3292,7 @@
     </p:spTree>
     <p:extLst>
       <p:ext uri="{BB962C8B-B14F-4D97-AF65-F5344CB8AC3E}">
-        <p14:creationId xmlns:p14="http://schemas.microsoft.com/office/powerpoint/2010/main" xmlns="" val="2367375137"/>
+        <p14:creationId xmlns="" xmlns:p14="http://schemas.microsoft.com/office/powerpoint/2010/main" val="2367375137"/>
       </p:ext>
     </p:extLst>
   </p:cSld>
@@ -3473,7 +3474,7 @@
             <a:fld id="{A01CB8F7-C920-432F-9BA7-60C26906864F}" type="datetimeFigureOut">
               <a:rPr lang="ru-RU" smtClean="0"/>
               <a:pPr/>
-              <a:t>09.10.2019</a:t>
+              <a:t>10.10.2019</a:t>
             </a:fld>
             <a:endParaRPr lang="ru-RU"/>
           </a:p>
@@ -3525,7 +3526,7 @@
     </p:spTree>
     <p:extLst>
       <p:ext uri="{BB962C8B-B14F-4D97-AF65-F5344CB8AC3E}">
-        <p14:creationId xmlns:p14="http://schemas.microsoft.com/office/powerpoint/2010/main" xmlns="" val="1934728443"/>
+        <p14:creationId xmlns="" xmlns:p14="http://schemas.microsoft.com/office/powerpoint/2010/main" val="1934728443"/>
       </p:ext>
     </p:extLst>
   </p:cSld>
@@ -3849,7 +3850,7 @@
             <a:fld id="{A01CB8F7-C920-432F-9BA7-60C26906864F}" type="datetimeFigureOut">
               <a:rPr lang="ru-RU" smtClean="0"/>
               <a:pPr/>
-              <a:t>09.10.2019</a:t>
+              <a:t>10.10.2019</a:t>
             </a:fld>
             <a:endParaRPr lang="ru-RU"/>
           </a:p>
@@ -3901,7 +3902,7 @@
     </p:spTree>
     <p:extLst>
       <p:ext uri="{BB962C8B-B14F-4D97-AF65-F5344CB8AC3E}">
-        <p14:creationId xmlns:p14="http://schemas.microsoft.com/office/powerpoint/2010/main" xmlns="" val="865285162"/>
+        <p14:creationId xmlns="" xmlns:p14="http://schemas.microsoft.com/office/powerpoint/2010/main" val="865285162"/>
       </p:ext>
     </p:extLst>
   </p:cSld>
@@ -3974,7 +3975,7 @@
             <a:fld id="{A01CB8F7-C920-432F-9BA7-60C26906864F}" type="datetimeFigureOut">
               <a:rPr lang="ru-RU" smtClean="0"/>
               <a:pPr/>
-              <a:t>09.10.2019</a:t>
+              <a:t>10.10.2019</a:t>
             </a:fld>
             <a:endParaRPr lang="ru-RU"/>
           </a:p>
@@ -4026,7 +4027,7 @@
     </p:spTree>
     <p:extLst>
       <p:ext uri="{BB962C8B-B14F-4D97-AF65-F5344CB8AC3E}">
-        <p14:creationId xmlns:p14="http://schemas.microsoft.com/office/powerpoint/2010/main" xmlns="" val="4134775364"/>
+        <p14:creationId xmlns="" xmlns:p14="http://schemas.microsoft.com/office/powerpoint/2010/main" val="4134775364"/>
       </p:ext>
     </p:extLst>
   </p:cSld>
@@ -4071,7 +4072,7 @@
             <a:fld id="{A01CB8F7-C920-432F-9BA7-60C26906864F}" type="datetimeFigureOut">
               <a:rPr lang="ru-RU" smtClean="0"/>
               <a:pPr/>
-              <a:t>09.10.2019</a:t>
+              <a:t>10.10.2019</a:t>
             </a:fld>
             <a:endParaRPr lang="ru-RU"/>
           </a:p>
@@ -4123,7 +4124,7 @@
     </p:spTree>
     <p:extLst>
       <p:ext uri="{BB962C8B-B14F-4D97-AF65-F5344CB8AC3E}">
-        <p14:creationId xmlns:p14="http://schemas.microsoft.com/office/powerpoint/2010/main" xmlns="" val="3075300023"/>
+        <p14:creationId xmlns="" xmlns:p14="http://schemas.microsoft.com/office/powerpoint/2010/main" val="3075300023"/>
       </p:ext>
     </p:extLst>
   </p:cSld>
@@ -4328,7 +4329,7 @@
             <a:fld id="{A01CB8F7-C920-432F-9BA7-60C26906864F}" type="datetimeFigureOut">
               <a:rPr lang="ru-RU" smtClean="0"/>
               <a:pPr/>
-              <a:t>09.10.2019</a:t>
+              <a:t>10.10.2019</a:t>
             </a:fld>
             <a:endParaRPr lang="ru-RU"/>
           </a:p>
@@ -4380,7 +4381,7 @@
     </p:spTree>
     <p:extLst>
       <p:ext uri="{BB962C8B-B14F-4D97-AF65-F5344CB8AC3E}">
-        <p14:creationId xmlns:p14="http://schemas.microsoft.com/office/powerpoint/2010/main" xmlns="" val="1306650702"/>
+        <p14:creationId xmlns="" xmlns:p14="http://schemas.microsoft.com/office/powerpoint/2010/main" val="1306650702"/>
       </p:ext>
     </p:extLst>
   </p:cSld>
@@ -4593,7 +4594,7 @@
             <a:fld id="{A01CB8F7-C920-432F-9BA7-60C26906864F}" type="datetimeFigureOut">
               <a:rPr lang="ru-RU" smtClean="0"/>
               <a:pPr/>
-              <a:t>09.10.2019</a:t>
+              <a:t>10.10.2019</a:t>
             </a:fld>
             <a:endParaRPr lang="ru-RU"/>
           </a:p>
@@ -4645,7 +4646,7 @@
     </p:spTree>
     <p:extLst>
       <p:ext uri="{BB962C8B-B14F-4D97-AF65-F5344CB8AC3E}">
-        <p14:creationId xmlns:p14="http://schemas.microsoft.com/office/powerpoint/2010/main" xmlns="" val="62820830"/>
+        <p14:creationId xmlns="" xmlns:p14="http://schemas.microsoft.com/office/powerpoint/2010/main" val="62820830"/>
       </p:ext>
     </p:extLst>
   </p:cSld>
@@ -5338,7 +5339,7 @@
             <a:fld id="{A01CB8F7-C920-432F-9BA7-60C26906864F}" type="datetimeFigureOut">
               <a:rPr lang="ru-RU" smtClean="0"/>
               <a:pPr/>
-              <a:t>09.10.2019</a:t>
+              <a:t>10.10.2019</a:t>
             </a:fld>
             <a:endParaRPr lang="ru-RU"/>
           </a:p>
@@ -5424,7 +5425,7 @@
     </p:spTree>
     <p:extLst>
       <p:ext uri="{BB962C8B-B14F-4D97-AF65-F5344CB8AC3E}">
-        <p14:creationId xmlns:p14="http://schemas.microsoft.com/office/powerpoint/2010/main" xmlns="" val="2691651623"/>
+        <p14:creationId xmlns="" xmlns:p14="http://schemas.microsoft.com/office/powerpoint/2010/main" val="2691651623"/>
       </p:ext>
     </p:extLst>
   </p:cSld>
@@ -5868,7 +5869,7 @@
           <p:cNvPr id="2" name="Заголовок 1">
             <a:extLst>
               <a:ext uri="{FF2B5EF4-FFF2-40B4-BE49-F238E27FC236}">
-                <a16:creationId xmlns:a16="http://schemas.microsoft.com/office/drawing/2014/main" xmlns="" id="{9755ACBE-8EFA-4744-8A39-435A809E0624}"/>
+                <a16:creationId xmlns="" xmlns:a16="http://schemas.microsoft.com/office/drawing/2014/main" id="{9755ACBE-8EFA-4744-8A39-435A809E0624}"/>
               </a:ext>
             </a:extLst>
           </p:cNvPr>
@@ -5897,7 +5898,7 @@
           <p:cNvPr id="3" name="Подзаголовок 2">
             <a:extLst>
               <a:ext uri="{FF2B5EF4-FFF2-40B4-BE49-F238E27FC236}">
-                <a16:creationId xmlns:a16="http://schemas.microsoft.com/office/drawing/2014/main" xmlns="" id="{1513DAA5-4F1D-43D3-83F3-CD4CF3AF8A9E}"/>
+                <a16:creationId xmlns="" xmlns:a16="http://schemas.microsoft.com/office/drawing/2014/main" id="{1513DAA5-4F1D-43D3-83F3-CD4CF3AF8A9E}"/>
               </a:ext>
             </a:extLst>
           </p:cNvPr>
@@ -5928,7 +5929,7 @@
     </p:spTree>
     <p:extLst>
       <p:ext uri="{BB962C8B-B14F-4D97-AF65-F5344CB8AC3E}">
-        <p14:creationId xmlns:p14="http://schemas.microsoft.com/office/powerpoint/2010/main" xmlns="" val="3826569723"/>
+        <p14:creationId xmlns="" xmlns:p14="http://schemas.microsoft.com/office/powerpoint/2010/main" val="3826569723"/>
       </p:ext>
     </p:extLst>
   </p:cSld>
@@ -5960,7 +5961,7 @@
           <p:cNvPr id="2" name="Заголовок 1">
             <a:extLst>
               <a:ext uri="{FF2B5EF4-FFF2-40B4-BE49-F238E27FC236}">
-                <a16:creationId xmlns:a16="http://schemas.microsoft.com/office/drawing/2014/main" xmlns="" id="{BB1EC032-03AA-453A-8908-E64E70EA0791}"/>
+                <a16:creationId xmlns="" xmlns:a16="http://schemas.microsoft.com/office/drawing/2014/main" id="{BB1EC032-03AA-453A-8908-E64E70EA0791}"/>
               </a:ext>
             </a:extLst>
           </p:cNvPr>
@@ -6001,7 +6002,7 @@
           <p:cNvPr id="3" name="Объект 2">
             <a:extLst>
               <a:ext uri="{FF2B5EF4-FFF2-40B4-BE49-F238E27FC236}">
-                <a16:creationId xmlns:a16="http://schemas.microsoft.com/office/drawing/2014/main" xmlns="" id="{D676FA5B-BEC3-4645-AA59-03A18D121F83}"/>
+                <a16:creationId xmlns="" xmlns:a16="http://schemas.microsoft.com/office/drawing/2014/main" id="{D676FA5B-BEC3-4645-AA59-03A18D121F83}"/>
               </a:ext>
             </a:extLst>
           </p:cNvPr>
@@ -6100,7 +6101,7 @@
     </p:spTree>
     <p:extLst>
       <p:ext uri="{BB962C8B-B14F-4D97-AF65-F5344CB8AC3E}">
-        <p14:creationId xmlns:p14="http://schemas.microsoft.com/office/powerpoint/2010/main" xmlns="" val="4081517834"/>
+        <p14:creationId xmlns="" xmlns:p14="http://schemas.microsoft.com/office/powerpoint/2010/main" val="4081517834"/>
       </p:ext>
     </p:extLst>
   </p:cSld>
@@ -6132,7 +6133,7 @@
           <p:cNvPr id="2" name="Заголовок 1">
             <a:extLst>
               <a:ext uri="{FF2B5EF4-FFF2-40B4-BE49-F238E27FC236}">
-                <a16:creationId xmlns:a16="http://schemas.microsoft.com/office/drawing/2014/main" xmlns="" id="{F95C9BAC-8454-4FD0-87CD-79C4D8756D88}"/>
+                <a16:creationId xmlns="" xmlns:a16="http://schemas.microsoft.com/office/drawing/2014/main" id="{F95C9BAC-8454-4FD0-87CD-79C4D8756D88}"/>
               </a:ext>
             </a:extLst>
           </p:cNvPr>
@@ -6160,7 +6161,7 @@
           <p:cNvPr id="3" name="Объект 2">
             <a:extLst>
               <a:ext uri="{FF2B5EF4-FFF2-40B4-BE49-F238E27FC236}">
-                <a16:creationId xmlns:a16="http://schemas.microsoft.com/office/drawing/2014/main" xmlns="" id="{D2E20C96-82EC-415A-8AFE-2BD3D771E496}"/>
+                <a16:creationId xmlns="" xmlns:a16="http://schemas.microsoft.com/office/drawing/2014/main" id="{D2E20C96-82EC-415A-8AFE-2BD3D771E496}"/>
               </a:ext>
             </a:extLst>
           </p:cNvPr>
@@ -6278,7 +6279,7 @@
     </p:spTree>
     <p:extLst>
       <p:ext uri="{BB962C8B-B14F-4D97-AF65-F5344CB8AC3E}">
-        <p14:creationId xmlns:p14="http://schemas.microsoft.com/office/powerpoint/2010/main" xmlns="" val="1736875248"/>
+        <p14:creationId xmlns="" xmlns:p14="http://schemas.microsoft.com/office/powerpoint/2010/main" val="1736875248"/>
       </p:ext>
     </p:extLst>
   </p:cSld>
@@ -6310,7 +6311,7 @@
           <p:cNvPr id="2" name="Заголовок 1">
             <a:extLst>
               <a:ext uri="{FF2B5EF4-FFF2-40B4-BE49-F238E27FC236}">
-                <a16:creationId xmlns:a16="http://schemas.microsoft.com/office/drawing/2014/main" xmlns="" id="{F95C9BAC-8454-4FD0-87CD-79C4D8756D88}"/>
+                <a16:creationId xmlns="" xmlns:a16="http://schemas.microsoft.com/office/drawing/2014/main" id="{F95C9BAC-8454-4FD0-87CD-79C4D8756D88}"/>
               </a:ext>
             </a:extLst>
           </p:cNvPr>
@@ -6343,7 +6344,7 @@
           <p:cNvPr id="3" name="Объект 2">
             <a:extLst>
               <a:ext uri="{FF2B5EF4-FFF2-40B4-BE49-F238E27FC236}">
-                <a16:creationId xmlns:a16="http://schemas.microsoft.com/office/drawing/2014/main" xmlns="" id="{D2E20C96-82EC-415A-8AFE-2BD3D771E496}"/>
+                <a16:creationId xmlns="" xmlns:a16="http://schemas.microsoft.com/office/drawing/2014/main" id="{D2E20C96-82EC-415A-8AFE-2BD3D771E496}"/>
               </a:ext>
             </a:extLst>
           </p:cNvPr>
@@ -6484,7 +6485,7 @@
     </p:spTree>
     <p:extLst>
       <p:ext uri="{BB962C8B-B14F-4D97-AF65-F5344CB8AC3E}">
-        <p14:creationId xmlns:p14="http://schemas.microsoft.com/office/powerpoint/2010/main" xmlns="" val="1736875248"/>
+        <p14:creationId xmlns="" xmlns:p14="http://schemas.microsoft.com/office/powerpoint/2010/main" val="1736875248"/>
       </p:ext>
     </p:extLst>
   </p:cSld>
@@ -6516,7 +6517,7 @@
           <p:cNvPr id="2" name="Заголовок 1">
             <a:extLst>
               <a:ext uri="{FF2B5EF4-FFF2-40B4-BE49-F238E27FC236}">
-                <a16:creationId xmlns:a16="http://schemas.microsoft.com/office/drawing/2014/main" xmlns="" id="{F95C9BAC-8454-4FD0-87CD-79C4D8756D88}"/>
+                <a16:creationId xmlns="" xmlns:a16="http://schemas.microsoft.com/office/drawing/2014/main" id="{F95C9BAC-8454-4FD0-87CD-79C4D8756D88}"/>
               </a:ext>
             </a:extLst>
           </p:cNvPr>
@@ -6549,7 +6550,7 @@
           <p:cNvPr id="3" name="Объект 2">
             <a:extLst>
               <a:ext uri="{FF2B5EF4-FFF2-40B4-BE49-F238E27FC236}">
-                <a16:creationId xmlns:a16="http://schemas.microsoft.com/office/drawing/2014/main" xmlns="" id="{D2E20C96-82EC-415A-8AFE-2BD3D771E496}"/>
+                <a16:creationId xmlns="" xmlns:a16="http://schemas.microsoft.com/office/drawing/2014/main" id="{D2E20C96-82EC-415A-8AFE-2BD3D771E496}"/>
               </a:ext>
             </a:extLst>
           </p:cNvPr>
@@ -6780,7 +6781,7 @@
     </p:spTree>
     <p:extLst>
       <p:ext uri="{BB962C8B-B14F-4D97-AF65-F5344CB8AC3E}">
-        <p14:creationId xmlns:p14="http://schemas.microsoft.com/office/powerpoint/2010/main" xmlns="" val="1736875248"/>
+        <p14:creationId xmlns="" xmlns:p14="http://schemas.microsoft.com/office/powerpoint/2010/main" val="1736875248"/>
       </p:ext>
     </p:extLst>
   </p:cSld>
@@ -6812,7 +6813,7 @@
           <p:cNvPr id="2" name="Заголовок 1">
             <a:extLst>
               <a:ext uri="{FF2B5EF4-FFF2-40B4-BE49-F238E27FC236}">
-                <a16:creationId xmlns:a16="http://schemas.microsoft.com/office/drawing/2014/main" xmlns="" id="{F95C9BAC-8454-4FD0-87CD-79C4D8756D88}"/>
+                <a16:creationId xmlns="" xmlns:a16="http://schemas.microsoft.com/office/drawing/2014/main" id="{F95C9BAC-8454-4FD0-87CD-79C4D8756D88}"/>
               </a:ext>
             </a:extLst>
           </p:cNvPr>
@@ -6907,7 +6908,140 @@
     </p:spTree>
     <p:extLst>
       <p:ext uri="{BB962C8B-B14F-4D97-AF65-F5344CB8AC3E}">
-        <p14:creationId xmlns:p14="http://schemas.microsoft.com/office/powerpoint/2010/main" xmlns="" val="1736875248"/>
+        <p14:creationId xmlns="" xmlns:p14="http://schemas.microsoft.com/office/powerpoint/2010/main" val="1736875248"/>
+      </p:ext>
+    </p:extLst>
+  </p:cSld>
+  <p:clrMapOvr>
+    <a:masterClrMapping/>
+  </p:clrMapOvr>
+</p:sld>
+</file>
+
+<file path=ppt/slides/slide7.xml><?xml version="1.0" encoding="utf-8"?>
+<p:sld xmlns:a="http://schemas.openxmlformats.org/drawingml/2006/main" xmlns:r="http://schemas.openxmlformats.org/officeDocument/2006/relationships" xmlns:p="http://schemas.openxmlformats.org/presentationml/2006/main">
+  <p:cSld>
+    <p:spTree>
+      <p:nvGrpSpPr>
+        <p:cNvPr id="1" name=""/>
+        <p:cNvGrpSpPr/>
+        <p:nvPr/>
+      </p:nvGrpSpPr>
+      <p:grpSpPr>
+        <a:xfrm>
+          <a:off x="0" y="0"/>
+          <a:ext cx="0" cy="0"/>
+          <a:chOff x="0" y="0"/>
+          <a:chExt cx="0" cy="0"/>
+        </a:xfrm>
+      </p:grpSpPr>
+      <p:sp>
+        <p:nvSpPr>
+          <p:cNvPr id="2" name="Заголовок 1">
+            <a:extLst>
+              <a:ext uri="{FF2B5EF4-FFF2-40B4-BE49-F238E27FC236}">
+                <a16:creationId xmlns="" xmlns:a16="http://schemas.microsoft.com/office/drawing/2014/main" id="{F95C9BAC-8454-4FD0-87CD-79C4D8756D88}"/>
+              </a:ext>
+            </a:extLst>
+          </p:cNvPr>
+          <p:cNvSpPr>
+            <a:spLocks noGrp="1"/>
+          </p:cNvSpPr>
+          <p:nvPr>
+            <p:ph type="title"/>
+          </p:nvPr>
+        </p:nvSpPr>
+        <p:spPr/>
+        <p:txBody>
+          <a:bodyPr/>
+          <a:lstStyle/>
+          <a:p>
+            <a:r>
+              <a:rPr lang="ru-RU" dirty="0" smtClean="0"/>
+              <a:t>Производительность</a:t>
+            </a:r>
+            <a:endParaRPr lang="ru-RU" dirty="0"/>
+          </a:p>
+        </p:txBody>
+      </p:sp>
+      <p:sp>
+        <p:nvSpPr>
+          <p:cNvPr id="5" name="Содержимое 4"/>
+          <p:cNvSpPr>
+            <a:spLocks noGrp="1"/>
+          </p:cNvSpPr>
+          <p:nvPr>
+            <p:ph idx="1"/>
+          </p:nvPr>
+        </p:nvSpPr>
+        <p:spPr/>
+        <p:txBody>
+          <a:bodyPr/>
+          <a:lstStyle/>
+          <a:p>
+            <a:pPr>
+              <a:buNone/>
+            </a:pPr>
+            <a:endParaRPr lang="ru-RU" dirty="0"/>
+          </a:p>
+        </p:txBody>
+      </p:sp>
+      <p:pic>
+        <p:nvPicPr>
+          <p:cNvPr id="3" name="Picture 2" descr="https://lh6.googleusercontent.com/xZC-aC_PXn6YnNRWGIWb-meihChKeCjM7I_mFSDMJWxf8rtUo991t1sFDfPOINbLH-BLP6UIYguXARRZuXW8Q094Yw7IEV41OtNpg3eKVAAo_Yu1TYcJg_lQXZEw8vg0v_-M8ik"/>
+          <p:cNvPicPr>
+            <a:picLocks noChangeAspect="1" noChangeArrowheads="1"/>
+          </p:cNvPicPr>
+          <p:nvPr/>
+        </p:nvPicPr>
+        <p:blipFill>
+          <a:blip r:embed="rId2"/>
+          <a:srcRect/>
+          <a:stretch>
+            <a:fillRect/>
+          </a:stretch>
+        </p:blipFill>
+        <p:spPr bwMode="auto">
+          <a:xfrm>
+            <a:off x="6101928" y="2152291"/>
+            <a:ext cx="5943600" cy="3819525"/>
+          </a:xfrm>
+          <a:prstGeom prst="rect">
+            <a:avLst/>
+          </a:prstGeom>
+          <a:noFill/>
+        </p:spPr>
+      </p:pic>
+      <p:pic>
+        <p:nvPicPr>
+          <p:cNvPr id="1028" name="Picture 4" descr="https://lh3.googleusercontent.com/KyaB8_anJxJIxgRB5xXevWZmsdyBy6O9ghXFfRPkHUyzEKWUAjcsn981s49v_O4cKiOy2kppZrGrxWBsjkKi9unP3tcGMuyG4yXinjM8MkUQAwpYWrsf55zEv3dmFnWim5-FdvM"/>
+          <p:cNvPicPr>
+            <a:picLocks noChangeAspect="1" noChangeArrowheads="1"/>
+          </p:cNvPicPr>
+          <p:nvPr/>
+        </p:nvPicPr>
+        <p:blipFill>
+          <a:blip r:embed="rId3"/>
+          <a:srcRect/>
+          <a:stretch>
+            <a:fillRect/>
+          </a:stretch>
+        </p:blipFill>
+        <p:spPr bwMode="auto">
+          <a:xfrm>
+            <a:off x="158331" y="1883463"/>
+            <a:ext cx="5943600" cy="4200526"/>
+          </a:xfrm>
+          <a:prstGeom prst="rect">
+            <a:avLst/>
+          </a:prstGeom>
+          <a:noFill/>
+        </p:spPr>
+      </p:pic>
+    </p:spTree>
+    <p:extLst>
+      <p:ext uri="{BB962C8B-B14F-4D97-AF65-F5344CB8AC3E}">
+        <p14:creationId xmlns="" xmlns:p14="http://schemas.microsoft.com/office/powerpoint/2010/main" val="1736875248"/>
       </p:ext>
     </p:extLst>
   </p:cSld>
@@ -7168,7 +7302,7 @@
   <a:extraClrSchemeLst/>
   <a:extLst>
     <a:ext uri="{05A4C25C-085E-4340-85A3-A5531E510DB2}">
-      <thm15:themeFamily xmlns:thm15="http://schemas.microsoft.com/office/thememl/2012/main" xmlns="" name="Facet" id="{C0C680CD-088A-49FC-A102-D699147F32B2}" vid="{CFBC31BA-B70F-4F30-BCAA-4F3011E16C4D}"/>
+      <thm15:themeFamily xmlns="" xmlns:thm15="http://schemas.microsoft.com/office/thememl/2012/main" name="Facet" id="{C0C680CD-088A-49FC-A102-D699147F32B2}" vid="{CFBC31BA-B70F-4F30-BCAA-4F3011E16C4D}"/>
     </a:ext>
   </a:extLst>
 </a:theme>
